--- a/PYTHON_EEL_GUI_2.pptx
+++ b/PYTHON_EEL_GUI_2.pptx
@@ -5310,12 +5310,12 @@
           <a:chExt cx="0" cy="0"/>
         </a:xfrm>
       </p:grpSpPr>
-      <p:sp>
-        <p:nvSpPr>
-          <p:cNvPr id="30" name="Rectangle 29">
-            <a:extLst>
-              <a:ext uri="{FF2B5EF4-FFF2-40B4-BE49-F238E27FC236}">
-                <a16:creationId xmlns:a16="http://schemas.microsoft.com/office/drawing/2014/main" id="{81AEB8A9-B768-4E30-BA55-D919E6687343}"/>
+      <p:sp useBgFill="1">
+        <p:nvSpPr>
+          <p:cNvPr id="35" name="Rectangle 34">
+            <a:extLst>
+              <a:ext uri="{FF2B5EF4-FFF2-40B4-BE49-F238E27FC236}">
+                <a16:creationId xmlns:a16="http://schemas.microsoft.com/office/drawing/2014/main" id="{F4C0B10B-D2C4-4A54-AFAD-3D27DF88BB37}"/>
               </a:ext>
               <a:ext uri="{C183D7F6-B498-43B3-948B-1728B52AA6E4}">
                 <adec:decorative xmlns:adec="http://schemas.microsoft.com/office/drawing/2017/decorative" val="1"/>
@@ -5335,15 +5335,12 @@
         </p:nvSpPr>
         <p:spPr>
           <a:xfrm>
-            <a:off x="-10001" y="-2"/>
-            <a:ext cx="4069936" cy="6858002"/>
+            <a:off x="0" y="0"/>
+            <a:ext cx="12188952" cy="6858000"/>
           </a:xfrm>
           <a:prstGeom prst="rect">
             <a:avLst/>
           </a:prstGeom>
-          <a:solidFill>
-            <a:schemeClr val="accent1"/>
-          </a:solidFill>
           <a:ln>
             <a:noFill/>
           </a:ln>
@@ -5368,40 +5365,505 @@
           <a:bodyPr rtlCol="0" anchor="ctr"/>
           <a:lstStyle/>
           <a:p>
-            <a:pPr marL="0" marR="0" lvl="0" indent="0" algn="ctr" defTabSz="914400" rtl="0" eaLnBrk="1" fontAlgn="auto" latinLnBrk="0" hangingPunct="1">
-              <a:lnSpc>
-                <a:spcPct val="100000"/>
-              </a:lnSpc>
-              <a:spcBef>
-                <a:spcPts val="0"/>
-              </a:spcBef>
-              <a:spcAft>
-                <a:spcPts val="0"/>
-              </a:spcAft>
-              <a:buClrTx/>
-              <a:buSzTx/>
-              <a:buFontTx/>
-              <a:buNone/>
-              <a:tabLst/>
-              <a:defRPr/>
-            </a:pPr>
-            <a:endParaRPr kumimoji="0" lang="en-US" sz="1800" b="0" i="0" u="none" strike="noStrike" kern="1200" cap="none" spc="0" normalizeH="0" baseline="0" noProof="0">
-              <a:ln>
-                <a:noFill/>
-              </a:ln>
-              <a:solidFill>
-                <a:prstClr val="white"/>
-              </a:solidFill>
-              <a:effectLst/>
-              <a:uLnTx/>
-              <a:uFillTx/>
-              <a:latin typeface="Calibri" panose="020F0502020204030204"/>
-              <a:ea typeface="+mn-ea"/>
-              <a:cs typeface="+mn-cs"/>
-            </a:endParaRPr>
-          </a:p>
-        </p:txBody>
-      </p:sp>
+            <a:pPr algn="ctr"/>
+            <a:endParaRPr lang="en-US"/>
+          </a:p>
+        </p:txBody>
+      </p:sp>
+      <p:grpSp>
+        <p:nvGrpSpPr>
+          <p:cNvPr id="37" name="Group 36">
+            <a:extLst>
+              <a:ext uri="{FF2B5EF4-FFF2-40B4-BE49-F238E27FC236}">
+                <a16:creationId xmlns:a16="http://schemas.microsoft.com/office/drawing/2014/main" id="{B6BADB90-C74B-40D6-86DC-503F65FCE8DC}"/>
+              </a:ext>
+              <a:ext uri="{C183D7F6-B498-43B3-948B-1728B52AA6E4}">
+                <adec:decorative xmlns:adec="http://schemas.microsoft.com/office/drawing/2017/decorative" val="1"/>
+              </a:ext>
+            </a:extLst>
+          </p:cNvPr>
+          <p:cNvGrpSpPr>
+            <a:grpSpLocks noGrp="1" noUngrp="1" noRot="1" noChangeAspect="1" noMove="1" noResize="1"/>
+          </p:cNvGrpSpPr>
+          <p:nvPr>
+            <p:extLst>
+              <p:ext uri="{386F3935-93C4-4BCD-93E2-E3B085C9AB24}">
+                <p16:designElem xmlns:p16="http://schemas.microsoft.com/office/powerpoint/2015/main" val="1"/>
+              </p:ext>
+            </p:extLst>
+          </p:nvPr>
+        </p:nvGrpSpPr>
+        <p:grpSpPr>
+          <a:xfrm>
+            <a:off x="409710" y="635715"/>
+            <a:ext cx="11142208" cy="2482136"/>
+            <a:chOff x="409710" y="635715"/>
+            <a:chExt cx="11142208" cy="2482136"/>
+          </a:xfrm>
+        </p:grpSpPr>
+        <p:sp>
+          <p:nvSpPr>
+            <p:cNvPr id="38" name="Freeform 44">
+              <a:extLst>
+                <a:ext uri="{FF2B5EF4-FFF2-40B4-BE49-F238E27FC236}">
+                  <a16:creationId xmlns:a16="http://schemas.microsoft.com/office/drawing/2014/main" id="{6559431D-1886-4AE0-9B87-9AD2ECAB8439}"/>
+                </a:ext>
+                <a:ext uri="{C183D7F6-B498-43B3-948B-1728B52AA6E4}">
+                  <adec:decorative xmlns:adec="http://schemas.microsoft.com/office/drawing/2017/decorative" val="1"/>
+                </a:ext>
+              </a:extLst>
+            </p:cNvPr>
+            <p:cNvSpPr>
+              <a:spLocks/>
+            </p:cNvSpPr>
+            <p:nvPr>
+              <p:extLst>
+                <p:ext uri="{386F3935-93C4-4BCD-93E2-E3B085C9AB24}">
+                  <p16:designElem xmlns:p16="http://schemas.microsoft.com/office/powerpoint/2015/main" val="1"/>
+                </p:ext>
+              </p:extLst>
+            </p:nvPr>
+          </p:nvSpPr>
+          <p:spPr bwMode="auto">
+            <a:xfrm>
+              <a:off x="11223203" y="635716"/>
+              <a:ext cx="328612" cy="1742360"/>
+            </a:xfrm>
+            <a:custGeom>
+              <a:avLst/>
+              <a:gdLst>
+                <a:gd name="T0" fmla="*/ 207 w 207"/>
+                <a:gd name="T1" fmla="*/ 987 h 1114"/>
+                <a:gd name="T2" fmla="*/ 0 w 207"/>
+                <a:gd name="T3" fmla="*/ 1114 h 1114"/>
+                <a:gd name="T4" fmla="*/ 0 w 207"/>
+                <a:gd name="T5" fmla="*/ 127 h 1114"/>
+                <a:gd name="T6" fmla="*/ 207 w 207"/>
+                <a:gd name="T7" fmla="*/ 0 h 1114"/>
+                <a:gd name="T8" fmla="*/ 207 w 207"/>
+                <a:gd name="T9" fmla="*/ 987 h 1114"/>
+              </a:gdLst>
+              <a:ahLst/>
+              <a:cxnLst>
+                <a:cxn ang="0">
+                  <a:pos x="T0" y="T1"/>
+                </a:cxn>
+                <a:cxn ang="0">
+                  <a:pos x="T2" y="T3"/>
+                </a:cxn>
+                <a:cxn ang="0">
+                  <a:pos x="T4" y="T5"/>
+                </a:cxn>
+                <a:cxn ang="0">
+                  <a:pos x="T6" y="T7"/>
+                </a:cxn>
+                <a:cxn ang="0">
+                  <a:pos x="T8" y="T9"/>
+                </a:cxn>
+              </a:cxnLst>
+              <a:rect l="0" t="0" r="r" b="b"/>
+              <a:pathLst>
+                <a:path w="207" h="1114">
+                  <a:moveTo>
+                    <a:pt x="207" y="987"/>
+                  </a:moveTo>
+                  <a:lnTo>
+                    <a:pt x="0" y="1114"/>
+                  </a:lnTo>
+                  <a:lnTo>
+                    <a:pt x="0" y="127"/>
+                  </a:lnTo>
+                  <a:lnTo>
+                    <a:pt x="207" y="0"/>
+                  </a:lnTo>
+                  <a:lnTo>
+                    <a:pt x="207" y="987"/>
+                  </a:lnTo>
+                  <a:close/>
+                </a:path>
+              </a:pathLst>
+            </a:custGeom>
+            <a:solidFill>
+              <a:schemeClr val="accent1">
+                <a:lumMod val="50000"/>
+              </a:schemeClr>
+            </a:solidFill>
+            <a:ln>
+              <a:noFill/>
+            </a:ln>
+          </p:spPr>
+          <p:txBody>
+            <a:bodyPr vert="horz" wrap="square" lIns="91440" tIns="45720" rIns="91440" bIns="45720" numCol="1" anchor="t" anchorCtr="0" compatLnSpc="1">
+              <a:prstTxWarp prst="textNoShape">
+                <a:avLst/>
+              </a:prstTxWarp>
+            </a:bodyPr>
+            <a:lstStyle/>
+            <a:p>
+              <a:endParaRPr lang="en-US"/>
+            </a:p>
+          </p:txBody>
+        </p:sp>
+        <p:sp>
+          <p:nvSpPr>
+            <p:cNvPr id="39" name="Freeform 45">
+              <a:extLst>
+                <a:ext uri="{FF2B5EF4-FFF2-40B4-BE49-F238E27FC236}">
+                  <a16:creationId xmlns:a16="http://schemas.microsoft.com/office/drawing/2014/main" id="{373850A5-B04A-4FCD-9E73-EE322167FB31}"/>
+                </a:ext>
+                <a:ext uri="{C183D7F6-B498-43B3-948B-1728B52AA6E4}">
+                  <adec:decorative xmlns:adec="http://schemas.microsoft.com/office/drawing/2017/decorative" val="1"/>
+                </a:ext>
+              </a:extLst>
+            </p:cNvPr>
+            <p:cNvSpPr>
+              <a:spLocks/>
+            </p:cNvSpPr>
+            <p:nvPr>
+              <p:extLst>
+                <p:ext uri="{386F3935-93C4-4BCD-93E2-E3B085C9AB24}">
+                  <p16:designElem xmlns:p16="http://schemas.microsoft.com/office/powerpoint/2015/main" val="1"/>
+                </p:ext>
+              </p:extLst>
+            </p:nvPr>
+          </p:nvSpPr>
+          <p:spPr bwMode="auto">
+            <a:xfrm>
+              <a:off x="409710" y="1022350"/>
+              <a:ext cx="709612" cy="2095501"/>
+            </a:xfrm>
+            <a:custGeom>
+              <a:avLst/>
+              <a:gdLst>
+                <a:gd name="T0" fmla="*/ 447 w 447"/>
+                <a:gd name="T1" fmla="*/ 1363 h 1363"/>
+                <a:gd name="T2" fmla="*/ 0 w 447"/>
+                <a:gd name="T3" fmla="*/ 987 h 1363"/>
+                <a:gd name="T4" fmla="*/ 0 w 447"/>
+                <a:gd name="T5" fmla="*/ 0 h 1363"/>
+                <a:gd name="T6" fmla="*/ 447 w 447"/>
+                <a:gd name="T7" fmla="*/ 376 h 1363"/>
+                <a:gd name="T8" fmla="*/ 447 w 447"/>
+                <a:gd name="T9" fmla="*/ 1363 h 1363"/>
+              </a:gdLst>
+              <a:ahLst/>
+              <a:cxnLst>
+                <a:cxn ang="0">
+                  <a:pos x="T0" y="T1"/>
+                </a:cxn>
+                <a:cxn ang="0">
+                  <a:pos x="T2" y="T3"/>
+                </a:cxn>
+                <a:cxn ang="0">
+                  <a:pos x="T4" y="T5"/>
+                </a:cxn>
+                <a:cxn ang="0">
+                  <a:pos x="T6" y="T7"/>
+                </a:cxn>
+                <a:cxn ang="0">
+                  <a:pos x="T8" y="T9"/>
+                </a:cxn>
+              </a:cxnLst>
+              <a:rect l="0" t="0" r="r" b="b"/>
+              <a:pathLst>
+                <a:path w="447" h="1363">
+                  <a:moveTo>
+                    <a:pt x="447" y="1363"/>
+                  </a:moveTo>
+                  <a:lnTo>
+                    <a:pt x="0" y="987"/>
+                  </a:lnTo>
+                  <a:lnTo>
+                    <a:pt x="0" y="0"/>
+                  </a:lnTo>
+                  <a:lnTo>
+                    <a:pt x="447" y="376"/>
+                  </a:lnTo>
+                  <a:lnTo>
+                    <a:pt x="447" y="1363"/>
+                  </a:lnTo>
+                  <a:close/>
+                </a:path>
+              </a:pathLst>
+            </a:custGeom>
+            <a:solidFill>
+              <a:schemeClr val="accent1">
+                <a:lumMod val="50000"/>
+              </a:schemeClr>
+            </a:solidFill>
+            <a:ln>
+              <a:noFill/>
+            </a:ln>
+          </p:spPr>
+          <p:txBody>
+            <a:bodyPr vert="horz" wrap="square" lIns="91440" tIns="45720" rIns="91440" bIns="45720" numCol="1" anchor="t" anchorCtr="0" compatLnSpc="1">
+              <a:prstTxWarp prst="textNoShape">
+                <a:avLst/>
+              </a:prstTxWarp>
+            </a:bodyPr>
+            <a:lstStyle/>
+            <a:p>
+              <a:endParaRPr lang="en-US"/>
+            </a:p>
+          </p:txBody>
+        </p:sp>
+        <p:sp>
+          <p:nvSpPr>
+            <p:cNvPr id="40" name="Freeform 46">
+              <a:extLst>
+                <a:ext uri="{FF2B5EF4-FFF2-40B4-BE49-F238E27FC236}">
+                  <a16:creationId xmlns:a16="http://schemas.microsoft.com/office/drawing/2014/main" id="{82C18C67-80FA-4738-AA53-0AF2419F98E0}"/>
+                </a:ext>
+                <a:ext uri="{C183D7F6-B498-43B3-948B-1728B52AA6E4}">
+                  <adec:decorative xmlns:adec="http://schemas.microsoft.com/office/drawing/2017/decorative" val="1"/>
+                </a:ext>
+              </a:extLst>
+            </p:cNvPr>
+            <p:cNvSpPr>
+              <a:spLocks/>
+            </p:cNvSpPr>
+            <p:nvPr>
+              <p:extLst>
+                <p:ext uri="{386F3935-93C4-4BCD-93E2-E3B085C9AB24}">
+                  <p16:designElem xmlns:p16="http://schemas.microsoft.com/office/powerpoint/2015/main" val="1"/>
+                </p:ext>
+              </p:extLst>
+            </p:nvPr>
+          </p:nvSpPr>
+          <p:spPr bwMode="auto">
+            <a:xfrm>
+              <a:off x="409710" y="837744"/>
+              <a:ext cx="403225" cy="1705431"/>
+            </a:xfrm>
+            <a:custGeom>
+              <a:avLst/>
+              <a:gdLst>
+                <a:gd name="T0" fmla="*/ 254 w 254"/>
+                <a:gd name="T1" fmla="*/ 987 h 1109"/>
+                <a:gd name="T2" fmla="*/ 0 w 254"/>
+                <a:gd name="T3" fmla="*/ 1109 h 1109"/>
+                <a:gd name="T4" fmla="*/ 0 w 254"/>
+                <a:gd name="T5" fmla="*/ 119 h 1109"/>
+                <a:gd name="T6" fmla="*/ 254 w 254"/>
+                <a:gd name="T7" fmla="*/ 0 h 1109"/>
+                <a:gd name="T8" fmla="*/ 254 w 254"/>
+                <a:gd name="T9" fmla="*/ 987 h 1109"/>
+              </a:gdLst>
+              <a:ahLst/>
+              <a:cxnLst>
+                <a:cxn ang="0">
+                  <a:pos x="T0" y="T1"/>
+                </a:cxn>
+                <a:cxn ang="0">
+                  <a:pos x="T2" y="T3"/>
+                </a:cxn>
+                <a:cxn ang="0">
+                  <a:pos x="T4" y="T5"/>
+                </a:cxn>
+                <a:cxn ang="0">
+                  <a:pos x="T6" y="T7"/>
+                </a:cxn>
+                <a:cxn ang="0">
+                  <a:pos x="T8" y="T9"/>
+                </a:cxn>
+              </a:cxnLst>
+              <a:rect l="0" t="0" r="r" b="b"/>
+              <a:pathLst>
+                <a:path w="254" h="1109">
+                  <a:moveTo>
+                    <a:pt x="254" y="987"/>
+                  </a:moveTo>
+                  <a:lnTo>
+                    <a:pt x="0" y="1109"/>
+                  </a:lnTo>
+                  <a:lnTo>
+                    <a:pt x="0" y="119"/>
+                  </a:lnTo>
+                  <a:lnTo>
+                    <a:pt x="254" y="0"/>
+                  </a:lnTo>
+                  <a:lnTo>
+                    <a:pt x="254" y="987"/>
+                  </a:lnTo>
+                  <a:close/>
+                </a:path>
+              </a:pathLst>
+            </a:custGeom>
+            <a:solidFill>
+              <a:schemeClr val="accent1">
+                <a:lumMod val="75000"/>
+              </a:schemeClr>
+            </a:solidFill>
+            <a:ln>
+              <a:noFill/>
+            </a:ln>
+          </p:spPr>
+          <p:txBody>
+            <a:bodyPr vert="horz" wrap="square" lIns="91440" tIns="45720" rIns="91440" bIns="45720" numCol="1" anchor="t" anchorCtr="0" compatLnSpc="1">
+              <a:prstTxWarp prst="textNoShape">
+                <a:avLst/>
+              </a:prstTxWarp>
+            </a:bodyPr>
+            <a:lstStyle/>
+            <a:p>
+              <a:endParaRPr lang="en-US"/>
+            </a:p>
+          </p:txBody>
+        </p:sp>
+        <p:sp>
+          <p:nvSpPr>
+            <p:cNvPr id="41" name="Freeform 47">
+              <a:extLst>
+                <a:ext uri="{FF2B5EF4-FFF2-40B4-BE49-F238E27FC236}">
+                  <a16:creationId xmlns:a16="http://schemas.microsoft.com/office/drawing/2014/main" id="{48543B1A-8BF5-4C63-8404-41B2EA70B33E}"/>
+                </a:ext>
+                <a:ext uri="{C183D7F6-B498-43B3-948B-1728B52AA6E4}">
+                  <adec:decorative xmlns:adec="http://schemas.microsoft.com/office/drawing/2017/decorative" val="1"/>
+                </a:ext>
+              </a:extLst>
+            </p:cNvPr>
+            <p:cNvSpPr>
+              <a:spLocks/>
+            </p:cNvSpPr>
+            <p:nvPr>
+              <p:extLst>
+                <p:ext uri="{386F3935-93C4-4BCD-93E2-E3B085C9AB24}">
+                  <p16:designElem xmlns:p16="http://schemas.microsoft.com/office/powerpoint/2015/main" val="1"/>
+                </p:ext>
+              </p:extLst>
+            </p:nvPr>
+          </p:nvSpPr>
+          <p:spPr bwMode="auto">
+            <a:xfrm>
+              <a:off x="644660" y="640894"/>
+              <a:ext cx="168275" cy="1713195"/>
+            </a:xfrm>
+            <a:custGeom>
+              <a:avLst/>
+              <a:gdLst>
+                <a:gd name="T0" fmla="*/ 106 w 106"/>
+                <a:gd name="T1" fmla="*/ 1114 h 1114"/>
+                <a:gd name="T2" fmla="*/ 0 w 106"/>
+                <a:gd name="T3" fmla="*/ 1005 h 1114"/>
+                <a:gd name="T4" fmla="*/ 0 w 106"/>
+                <a:gd name="T5" fmla="*/ 0 h 1114"/>
+                <a:gd name="T6" fmla="*/ 106 w 106"/>
+                <a:gd name="T7" fmla="*/ 110 h 1114"/>
+                <a:gd name="T8" fmla="*/ 106 w 106"/>
+                <a:gd name="T9" fmla="*/ 1114 h 1114"/>
+              </a:gdLst>
+              <a:ahLst/>
+              <a:cxnLst>
+                <a:cxn ang="0">
+                  <a:pos x="T0" y="T1"/>
+                </a:cxn>
+                <a:cxn ang="0">
+                  <a:pos x="T2" y="T3"/>
+                </a:cxn>
+                <a:cxn ang="0">
+                  <a:pos x="T4" y="T5"/>
+                </a:cxn>
+                <a:cxn ang="0">
+                  <a:pos x="T6" y="T7"/>
+                </a:cxn>
+                <a:cxn ang="0">
+                  <a:pos x="T8" y="T9"/>
+                </a:cxn>
+              </a:cxnLst>
+              <a:rect l="0" t="0" r="r" b="b"/>
+              <a:pathLst>
+                <a:path w="106" h="1114">
+                  <a:moveTo>
+                    <a:pt x="106" y="1114"/>
+                  </a:moveTo>
+                  <a:lnTo>
+                    <a:pt x="0" y="1005"/>
+                  </a:lnTo>
+                  <a:lnTo>
+                    <a:pt x="0" y="0"/>
+                  </a:lnTo>
+                  <a:lnTo>
+                    <a:pt x="106" y="110"/>
+                  </a:lnTo>
+                  <a:lnTo>
+                    <a:pt x="106" y="1114"/>
+                  </a:lnTo>
+                  <a:close/>
+                </a:path>
+              </a:pathLst>
+            </a:custGeom>
+            <a:solidFill>
+              <a:schemeClr val="accent1">
+                <a:lumMod val="50000"/>
+              </a:schemeClr>
+            </a:solidFill>
+            <a:ln>
+              <a:noFill/>
+            </a:ln>
+          </p:spPr>
+          <p:txBody>
+            <a:bodyPr vert="horz" wrap="square" lIns="91440" tIns="45720" rIns="91440" bIns="45720" numCol="1" anchor="t" anchorCtr="0" compatLnSpc="1">
+              <a:prstTxWarp prst="textNoShape">
+                <a:avLst/>
+              </a:prstTxWarp>
+            </a:bodyPr>
+            <a:lstStyle/>
+            <a:p>
+              <a:endParaRPr lang="en-US"/>
+            </a:p>
+          </p:txBody>
+        </p:sp>
+        <p:sp>
+          <p:nvSpPr>
+            <p:cNvPr id="42" name="Rectangle 41">
+              <a:extLst>
+                <a:ext uri="{FF2B5EF4-FFF2-40B4-BE49-F238E27FC236}">
+                  <a16:creationId xmlns:a16="http://schemas.microsoft.com/office/drawing/2014/main" id="{92DF5096-E051-498C-A3ED-CBA77A813AAC}"/>
+                </a:ext>
+                <a:ext uri="{C183D7F6-B498-43B3-948B-1728B52AA6E4}">
+                  <adec:decorative xmlns:adec="http://schemas.microsoft.com/office/drawing/2017/decorative" val="1"/>
+                </a:ext>
+              </a:extLst>
+            </p:cNvPr>
+            <p:cNvSpPr>
+              <a:spLocks noChangeArrowheads="1"/>
+            </p:cNvSpPr>
+            <p:nvPr>
+              <p:extLst>
+                <p:ext uri="{386F3935-93C4-4BCD-93E2-E3B085C9AB24}">
+                  <p16:designElem xmlns:p16="http://schemas.microsoft.com/office/powerpoint/2015/main" val="1"/>
+                </p:ext>
+              </p:extLst>
+            </p:nvPr>
+          </p:nvSpPr>
+          <p:spPr bwMode="auto">
+            <a:xfrm>
+              <a:off x="644055" y="635715"/>
+              <a:ext cx="10907863" cy="1541457"/>
+            </a:xfrm>
+            <a:prstGeom prst="rect">
+              <a:avLst/>
+            </a:prstGeom>
+            <a:solidFill>
+              <a:schemeClr val="accent1"/>
+            </a:solidFill>
+            <a:ln>
+              <a:noFill/>
+            </a:ln>
+          </p:spPr>
+          <p:txBody>
+            <a:bodyPr vert="horz" wrap="square" lIns="91440" tIns="45720" rIns="91440" bIns="45720" numCol="1" anchor="t" anchorCtr="0" compatLnSpc="1">
+              <a:prstTxWarp prst="textNoShape">
+                <a:avLst/>
+              </a:prstTxWarp>
+            </a:bodyPr>
+            <a:lstStyle/>
+            <a:p>
+              <a:endParaRPr lang="en-US"/>
+            </a:p>
+          </p:txBody>
+        </p:sp>
+      </p:grpSp>
       <p:sp>
         <p:nvSpPr>
           <p:cNvPr id="2" name="Title 1">
@@ -5420,28 +5882,28 @@
         </p:nvSpPr>
         <p:spPr>
           <a:xfrm>
-            <a:off x="201881" y="640080"/>
-            <a:ext cx="3538013" cy="5613236"/>
+            <a:off x="1047280" y="759805"/>
+            <a:ext cx="10306520" cy="1325563"/>
           </a:xfrm>
           <a:prstGeom prst="ellipse">
             <a:avLst/>
           </a:prstGeom>
         </p:spPr>
         <p:txBody>
-          <a:bodyPr vert="horz" lIns="91440" tIns="45720" rIns="91440" bIns="45720" rtlCol="0" anchor="ctr">
+          <a:bodyPr vert="horz" lIns="91440" tIns="45720" rIns="91440" bIns="45720" rtlCol="0">
             <a:normAutofit/>
           </a:bodyPr>
           <a:lstStyle/>
           <a:p>
             <a:r>
-              <a:rPr lang="en-US" sz="3600">
+              <a:rPr lang="en-US" sz="4000">
                 <a:solidFill>
                   <a:srgbClr val="FFFFFF"/>
                 </a:solidFill>
               </a:rPr>
               <a:t>screenshots</a:t>
             </a:r>
-            <a:endParaRPr lang="en-US" sz="3600" kern="1200">
+            <a:endParaRPr lang="en-US" sz="4000" kern="1200">
               <a:solidFill>
                 <a:srgbClr val="FFFFFF"/>
               </a:solidFill>
@@ -5470,12 +5932,12 @@
         </p:nvSpPr>
         <p:spPr>
           <a:xfrm>
-            <a:off x="4699818" y="640082"/>
-            <a:ext cx="6848715" cy="2484884"/>
+            <a:off x="1424904" y="2494450"/>
+            <a:ext cx="4053545" cy="3563159"/>
           </a:xfrm>
         </p:spPr>
         <p:txBody>
-          <a:bodyPr anchor="ctr">
+          <a:bodyPr>
             <a:normAutofit/>
           </a:bodyPr>
           <a:lstStyle/>
@@ -5483,7 +5945,7 @@
             <a:pPr marL="0" indent="0">
               <a:buNone/>
             </a:pPr>
-            <a:endParaRPr lang="en-US" sz="2000">
+            <a:endParaRPr lang="en-US" sz="2400">
               <a:highlight>
                 <a:srgbClr val="FFFF00"/>
               </a:highlight>
@@ -5493,7 +5955,7 @@
             <a:pPr marL="0" indent="0">
               <a:buNone/>
             </a:pPr>
-            <a:endParaRPr lang="en-US" sz="2000">
+            <a:endParaRPr lang="en-US" sz="2400">
               <a:highlight>
                 <a:srgbClr val="FFFF00"/>
               </a:highlight>
@@ -5503,7 +5965,7 @@
             <a:pPr marL="0" indent="0">
               <a:buNone/>
             </a:pPr>
-            <a:endParaRPr lang="en-US" sz="2000">
+            <a:endParaRPr lang="en-US" sz="2400">
               <a:highlight>
                 <a:srgbClr val="FFFF00"/>
               </a:highlight>
@@ -5511,26 +5973,55 @@
           </a:p>
         </p:txBody>
       </p:sp>
-      <p:sp>
-        <p:nvSpPr>
-          <p:cNvPr id="4" name="Date Placeholder 3">
-            <a:extLst>
-              <a:ext uri="{FF2B5EF4-FFF2-40B4-BE49-F238E27FC236}">
-                <a16:creationId xmlns:a16="http://schemas.microsoft.com/office/drawing/2014/main" id="{E0B8CDB3-DF52-BD40-835E-53C2C836C174}"/>
-              </a:ext>
-            </a:extLst>
-          </p:cNvPr>
-          <p:cNvSpPr>
-            <a:spLocks noGrp="1"/>
-          </p:cNvSpPr>
-          <p:nvPr>
-            <p:ph type="dt" sz="half" idx="10"/>
-          </p:nvPr>
-        </p:nvSpPr>
+      <p:pic>
+        <p:nvPicPr>
+          <p:cNvPr id="7" name="Picture 6" descr="A close up of a computer&#10;&#10;Description automatically generated">
+            <a:extLst>
+              <a:ext uri="{FF2B5EF4-FFF2-40B4-BE49-F238E27FC236}">
+                <a16:creationId xmlns:a16="http://schemas.microsoft.com/office/drawing/2014/main" id="{3D05D7E5-4E84-D34A-AEB5-58AC7A81B9E2}"/>
+              </a:ext>
+            </a:extLst>
+          </p:cNvPr>
+          <p:cNvPicPr>
+            <a:picLocks noChangeAspect="1"/>
+          </p:cNvPicPr>
+          <p:nvPr/>
+        </p:nvPicPr>
+        <p:blipFill rotWithShape="1">
+          <a:blip r:embed="rId2"/>
+          <a:srcRect l="5556" r="14928"/>
+          <a:stretch/>
+        </p:blipFill>
         <p:spPr>
           <a:xfrm>
-            <a:off x="643467" y="6356350"/>
-            <a:ext cx="2937933" cy="365125"/>
+            <a:off x="1424904" y="2492376"/>
+            <a:ext cx="9476392" cy="4210176"/>
+          </a:xfrm>
+          <a:prstGeom prst="rect">
+            <a:avLst/>
+          </a:prstGeom>
+        </p:spPr>
+      </p:pic>
+      <p:sp>
+        <p:nvSpPr>
+          <p:cNvPr id="5" name="Footer Placeholder 4">
+            <a:extLst>
+              <a:ext uri="{FF2B5EF4-FFF2-40B4-BE49-F238E27FC236}">
+                <a16:creationId xmlns:a16="http://schemas.microsoft.com/office/drawing/2014/main" id="{AAA79E73-7D28-9B47-B2DD-090D9A3943A1}"/>
+              </a:ext>
+            </a:extLst>
+          </p:cNvPr>
+          <p:cNvSpPr>
+            <a:spLocks noGrp="1"/>
+          </p:cNvSpPr>
+          <p:nvPr>
+            <p:ph type="ftr" sz="quarter" idx="11"/>
+          </p:nvPr>
+        </p:nvSpPr>
+        <p:spPr>
+          <a:xfrm>
+            <a:off x="795528" y="6382512"/>
+            <a:ext cx="6757416" cy="320040"/>
           </a:xfrm>
         </p:spPr>
         <p:txBody>
@@ -5539,105 +6030,88 @@
           </a:bodyPr>
           <a:lstStyle/>
           <a:p>
-            <a:pPr>
+            <a:pPr algn="l">
+              <a:spcAft>
+                <a:spcPts val="600"/>
+              </a:spcAft>
+            </a:pPr>
+            <a:r>
+              <a:rPr lang="en-US" sz="1000" kern="1200">
+                <a:latin typeface="+mn-lt"/>
+                <a:ea typeface="+mn-ea"/>
+                <a:cs typeface="+mn-cs"/>
+              </a:rPr>
+              <a:t>TOTAL TECHNOLOGY </a:t>
+            </a:r>
+          </a:p>
+        </p:txBody>
+      </p:sp>
+      <p:sp>
+        <p:nvSpPr>
+          <p:cNvPr id="4" name="Date Placeholder 3">
+            <a:extLst>
+              <a:ext uri="{FF2B5EF4-FFF2-40B4-BE49-F238E27FC236}">
+                <a16:creationId xmlns:a16="http://schemas.microsoft.com/office/drawing/2014/main" id="{E0B8CDB3-DF52-BD40-835E-53C2C836C174}"/>
+              </a:ext>
+            </a:extLst>
+          </p:cNvPr>
+          <p:cNvSpPr>
+            <a:spLocks noGrp="1"/>
+          </p:cNvSpPr>
+          <p:nvPr>
+            <p:ph type="dt" sz="half" idx="10"/>
+          </p:nvPr>
+        </p:nvSpPr>
+        <p:spPr>
+          <a:xfrm>
+            <a:off x="7717536" y="6382512"/>
+            <a:ext cx="2825496" cy="320040"/>
+          </a:xfrm>
+        </p:spPr>
+        <p:txBody>
+          <a:bodyPr vert="horz" lIns="91440" tIns="45720" rIns="91440" bIns="45720" rtlCol="0">
+            <a:normAutofit/>
+          </a:bodyPr>
+          <a:lstStyle/>
+          <a:p>
+            <a:pPr algn="r">
               <a:spcAft>
                 <a:spcPts val="600"/>
               </a:spcAft>
             </a:pPr>
             <a:fld id="{85A80B37-905A-A743-A91C-A605D6B805A7}" type="datetime1">
-              <a:rPr lang="en-US">
-                <a:solidFill>
-                  <a:srgbClr val="FFFFFF">
-                    <a:alpha val="80000"/>
-                  </a:srgbClr>
-                </a:solidFill>
-              </a:rPr>
-              <a:pPr>
+              <a:rPr lang="en-US" sz="1000"/>
+              <a:pPr algn="r">
                 <a:spcAft>
                   <a:spcPts val="600"/>
                 </a:spcAft>
               </a:pPr>
-              <a:t>6/21/20</a:t>
+              <a:t>6/22/20</a:t>
             </a:fld>
-            <a:endParaRPr lang="en-US">
-              <a:solidFill>
-                <a:srgbClr val="FFFFFF">
-                  <a:alpha val="80000"/>
-                </a:srgbClr>
-              </a:solidFill>
-            </a:endParaRPr>
-          </a:p>
-        </p:txBody>
-      </p:sp>
-      <p:sp>
-        <p:nvSpPr>
-          <p:cNvPr id="5" name="Footer Placeholder 4">
-            <a:extLst>
-              <a:ext uri="{FF2B5EF4-FFF2-40B4-BE49-F238E27FC236}">
-                <a16:creationId xmlns:a16="http://schemas.microsoft.com/office/drawing/2014/main" id="{AAA79E73-7D28-9B47-B2DD-090D9A3943A1}"/>
-              </a:ext>
-            </a:extLst>
-          </p:cNvPr>
-          <p:cNvSpPr>
-            <a:spLocks noGrp="1"/>
-          </p:cNvSpPr>
-          <p:nvPr>
-            <p:ph type="ftr" sz="quarter" idx="11"/>
+            <a:endParaRPr lang="en-US" sz="1000"/>
+          </a:p>
+        </p:txBody>
+      </p:sp>
+      <p:sp>
+        <p:nvSpPr>
+          <p:cNvPr id="6" name="Slide Number Placeholder 5">
+            <a:extLst>
+              <a:ext uri="{FF2B5EF4-FFF2-40B4-BE49-F238E27FC236}">
+                <a16:creationId xmlns:a16="http://schemas.microsoft.com/office/drawing/2014/main" id="{8B83974F-3AC1-E441-93ED-47920D256F14}"/>
+              </a:ext>
+            </a:extLst>
+          </p:cNvPr>
+          <p:cNvSpPr>
+            <a:spLocks noGrp="1"/>
+          </p:cNvSpPr>
+          <p:nvPr>
+            <p:ph type="sldNum" sz="quarter" idx="12"/>
           </p:nvPr>
         </p:nvSpPr>
         <p:spPr>
           <a:xfrm>
-            <a:off x="4654294" y="6356350"/>
-            <a:ext cx="5719488" cy="365125"/>
-          </a:xfrm>
-        </p:spPr>
-        <p:txBody>
-          <a:bodyPr vert="horz" lIns="91440" tIns="45720" rIns="91440" bIns="45720" rtlCol="0">
-            <a:normAutofit/>
-          </a:bodyPr>
-          <a:lstStyle/>
-          <a:p>
-            <a:pPr algn="l">
-              <a:spcAft>
-                <a:spcPts val="600"/>
-              </a:spcAft>
-            </a:pPr>
-            <a:r>
-              <a:rPr lang="en-US" kern="1200">
-                <a:solidFill>
-                  <a:prstClr val="black">
-                    <a:tint val="75000"/>
-                  </a:prstClr>
-                </a:solidFill>
-                <a:latin typeface="+mn-lt"/>
-                <a:ea typeface="+mn-ea"/>
-                <a:cs typeface="+mn-cs"/>
-              </a:rPr>
-              <a:t>TOTAL TECHNOLOGY </a:t>
-            </a:r>
-          </a:p>
-        </p:txBody>
-      </p:sp>
-      <p:sp>
-        <p:nvSpPr>
-          <p:cNvPr id="6" name="Slide Number Placeholder 5">
-            <a:extLst>
-              <a:ext uri="{FF2B5EF4-FFF2-40B4-BE49-F238E27FC236}">
-                <a16:creationId xmlns:a16="http://schemas.microsoft.com/office/drawing/2014/main" id="{8B83974F-3AC1-E441-93ED-47920D256F14}"/>
-              </a:ext>
-            </a:extLst>
-          </p:cNvPr>
-          <p:cNvSpPr>
-            <a:spLocks noGrp="1"/>
-          </p:cNvSpPr>
-          <p:nvPr>
-            <p:ph type="sldNum" sz="quarter" idx="12"/>
-          </p:nvPr>
-        </p:nvSpPr>
-        <p:spPr>
-          <a:xfrm>
-            <a:off x="10534650" y="6356350"/>
-            <a:ext cx="819150" cy="365125"/>
+            <a:off x="10707624" y="6382512"/>
+            <a:ext cx="685800" cy="320040"/>
           </a:xfrm>
         </p:spPr>
         <p:txBody>
@@ -5652,13 +6126,7 @@
               </a:spcAft>
             </a:pPr>
             <a:fld id="{3276C40E-97DB-2248-A55E-B7EA991DACFB}" type="slidenum">
-              <a:rPr lang="en-US">
-                <a:solidFill>
-                  <a:prstClr val="black">
-                    <a:tint val="75000"/>
-                  </a:prstClr>
-                </a:solidFill>
-              </a:rPr>
+              <a:rPr lang="en-US" sz="1000"/>
               <a:pPr>
                 <a:spcAft>
                   <a:spcPts val="600"/>
@@ -5666,13 +6134,7 @@
               </a:pPr>
               <a:t>4</a:t>
             </a:fld>
-            <a:endParaRPr lang="en-US">
-              <a:solidFill>
-                <a:prstClr val="black">
-                  <a:tint val="75000"/>
-                </a:prstClr>
-              </a:solidFill>
-            </a:endParaRPr>
+            <a:endParaRPr lang="en-US" sz="1000"/>
           </a:p>
         </p:txBody>
       </p:sp>
@@ -5701,7 +6163,7 @@
         </p:spPr>
         <p:txBody>
           <a:bodyPr vert="horz" lIns="91440" tIns="45720" rIns="91440" bIns="45720" rtlCol="0" anchor="ctr">
-            <a:normAutofit fontScale="92500" lnSpcReduction="10000"/>
+            <a:normAutofit/>
           </a:bodyPr>
           <a:lstStyle>
             <a:lvl1pPr marL="228600" indent="-228600" algn="l" defTabSz="914400" rtl="0" eaLnBrk="1" latinLnBrk="0" hangingPunct="1">
